--- a/Week5/Data Mining_W4_Cleaning.pptx
+++ b/Week5/Data Mining_W4_Cleaning.pptx
@@ -7055,7 +7055,7 @@
         </p:nvSpPr>
         <p:spPr>
           <a:xfrm>
-            <a:off x="381300" y="685800"/>
+            <a:off x="381000" y="685800"/>
             <a:ext cx="6096000" cy="3429000"/>
           </a:xfrm>
           <a:custGeom>
@@ -29341,7 +29341,7 @@
               <a:buNone/>
             </a:pPr>
             <a:r>
-              <a:rPr lang="en" sz="1400">
+              <a:rPr lang="en" sz="1400" dirty="0">
                 <a:solidFill>
                   <a:srgbClr val="24292E"/>
                 </a:solidFill>
@@ -29355,7 +29355,7 @@
               </a:rPr>
               <a:t>A repository is a place where packages are located so you can install them from it.</a:t>
             </a:r>
-            <a:endParaRPr sz="1400">
+            <a:endParaRPr sz="1400" dirty="0">
               <a:solidFill>
                 <a:srgbClr val="24292E"/>
               </a:solidFill>
@@ -29379,7 +29379,7 @@
               <a:buNone/>
             </a:pPr>
             <a:r>
-              <a:rPr lang="en" sz="1400" b="1">
+              <a:rPr lang="en" sz="1400" b="1" dirty="0">
                 <a:solidFill>
                   <a:srgbClr val="24292E"/>
                 </a:solidFill>
@@ -29393,7 +29393,7 @@
               </a:rPr>
               <a:t>Two types of repos: </a:t>
             </a:r>
-            <a:endParaRPr sz="1400" b="1">
+            <a:endParaRPr sz="1400" b="1" dirty="0">
               <a:solidFill>
                 <a:srgbClr val="24292E"/>
               </a:solidFill>
@@ -29417,7 +29417,7 @@
               <a:buNone/>
             </a:pPr>
             <a:r>
-              <a:rPr lang="en" sz="1400">
+              <a:rPr lang="en" sz="1400" dirty="0">
                 <a:solidFill>
                   <a:srgbClr val="0366D6"/>
                 </a:solidFill>
@@ -29436,7 +29436,7 @@
               <a:t>CRAN</a:t>
             </a:r>
             <a:r>
-              <a:rPr lang="en" sz="1400">
+              <a:rPr lang="en" sz="1400" dirty="0">
                 <a:solidFill>
                   <a:srgbClr val="24292E"/>
                 </a:solidFill>
@@ -29448,20 +29448,23 @@
                 <a:cs typeface="Arial"/>
                 <a:sym typeface="Arial"/>
               </a:rPr>
-              <a:t>: the official repository, it is a network of ftp and web servers maintained by the R community around the world. The R foundation coordinates it, and for a package to be published here, it needs to pass several tests that ensure the package is following CRAN policies. You can find more details here.</a:t>
-            </a:r>
-            <a:endParaRPr sz="1400">
-              <a:solidFill>
-                <a:srgbClr val="24292E"/>
-              </a:solidFill>
-              <a:highlight>
-                <a:srgbClr val="FFFFFF"/>
-              </a:highlight>
-              <a:latin typeface="Arial"/>
-              <a:ea typeface="Arial"/>
-              <a:cs typeface="Arial"/>
-              <a:sym typeface="Arial"/>
-            </a:endParaRPr>
+              <a:t>: the official repository, it is a network of ftp and web servers maintained by the R community around the world. The R foundation coordinates it, and for a package to be published here, it needs to pass several tests that ensure the package is following CRAN policies</a:t>
+            </a:r>
+            <a:r>
+              <a:rPr lang="en" sz="1400">
+                <a:solidFill>
+                  <a:srgbClr val="24292E"/>
+                </a:solidFill>
+                <a:highlight>
+                  <a:srgbClr val="FFFFFF"/>
+                </a:highlight>
+                <a:latin typeface="Arial"/>
+                <a:ea typeface="Arial"/>
+                <a:cs typeface="Arial"/>
+                <a:sym typeface="Arial"/>
+              </a:rPr>
+              <a:t>. </a:t>
+            </a:r>
           </a:p>
           <a:p>
             <a:pPr marL="0" lvl="0" indent="0" algn="l" rtl="0">
@@ -29469,7 +29472,7 @@
                 <a:spcPts val="1600"/>
               </a:spcBef>
               <a:spcAft>
-                <a:spcPts val="1600"/>
+                <a:spcPts val="0"/>
               </a:spcAft>
               <a:buNone/>
             </a:pPr>
@@ -29493,7 +29496,7 @@
               <a:t>Github</a:t>
             </a:r>
             <a:r>
-              <a:rPr lang="en" sz="1400">
+              <a:rPr lang="en" sz="1400" dirty="0">
                 <a:solidFill>
                   <a:srgbClr val="24292E"/>
                 </a:solidFill>
@@ -29505,9 +29508,39 @@
                 <a:cs typeface="Arial"/>
                 <a:sym typeface="Arial"/>
               </a:rPr>
-              <a:t> : although this is not R specific, Github is probably the most popular repository for open source projects. Its popularity comes from the unlimited space for open source, the integration with git, a version control software, and its ease to share and collaborate with others. But be aware that there is no review process associated with it.</a:t>
-            </a:r>
-            <a:endParaRPr sz="1400">
+              <a:t> : although this is not R specific, </a:t>
+            </a:r>
+            <a:r>
+              <a:rPr lang="en" sz="1400" dirty="0" err="1">
+                <a:solidFill>
+                  <a:srgbClr val="24292E"/>
+                </a:solidFill>
+                <a:highlight>
+                  <a:srgbClr val="FFFFFF"/>
+                </a:highlight>
+                <a:latin typeface="Arial"/>
+                <a:ea typeface="Arial"/>
+                <a:cs typeface="Arial"/>
+                <a:sym typeface="Arial"/>
+              </a:rPr>
+              <a:t>Github</a:t>
+            </a:r>
+            <a:r>
+              <a:rPr lang="en" sz="1400" dirty="0">
+                <a:solidFill>
+                  <a:srgbClr val="24292E"/>
+                </a:solidFill>
+                <a:highlight>
+                  <a:srgbClr val="FFFFFF"/>
+                </a:highlight>
+                <a:latin typeface="Arial"/>
+                <a:ea typeface="Arial"/>
+                <a:cs typeface="Arial"/>
+                <a:sym typeface="Arial"/>
+              </a:rPr>
+              <a:t> is probably the most popular repository for open source projects. Its popularity comes from the unlimited space for open source, the integration with git, a version control software, and its ease to share and collaborate with others. But be aware that there is no review process associated with it.</a:t>
+            </a:r>
+            <a:endParaRPr sz="1400" dirty="0">
               <a:solidFill>
                 <a:srgbClr val="24292E"/>
               </a:solidFill>
